--- a/DR/DR/ALPstar_TLM_DR_1_003.pptx
+++ b/DR/DR/ALPstar_TLM_DR_1_003.pptx
@@ -5,29 +5,31 @@
     <p:sldMasterId id="2147483660" r:id="rId4"/>
   </p:sldMasterIdLst>
   <p:notesMasterIdLst>
-    <p:notesMasterId r:id="rId22"/>
+    <p:notesMasterId r:id="rId24"/>
   </p:notesMasterIdLst>
   <p:handoutMasterIdLst>
-    <p:handoutMasterId r:id="rId23"/>
+    <p:handoutMasterId r:id="rId25"/>
   </p:handoutMasterIdLst>
   <p:sldIdLst>
     <p:sldId id="340" r:id="rId5"/>
     <p:sldId id="344" r:id="rId6"/>
     <p:sldId id="359" r:id="rId7"/>
     <p:sldId id="362" r:id="rId8"/>
-    <p:sldId id="367" r:id="rId9"/>
-    <p:sldId id="369" r:id="rId10"/>
-    <p:sldId id="370" r:id="rId11"/>
-    <p:sldId id="371" r:id="rId12"/>
-    <p:sldId id="368" r:id="rId13"/>
-    <p:sldId id="363" r:id="rId14"/>
-    <p:sldId id="365" r:id="rId15"/>
-    <p:sldId id="366" r:id="rId16"/>
-    <p:sldId id="372" r:id="rId17"/>
-    <p:sldId id="361" r:id="rId18"/>
-    <p:sldId id="357" r:id="rId19"/>
-    <p:sldId id="358" r:id="rId20"/>
-    <p:sldId id="353" r:id="rId21"/>
+    <p:sldId id="374" r:id="rId9"/>
+    <p:sldId id="367" r:id="rId10"/>
+    <p:sldId id="373" r:id="rId11"/>
+    <p:sldId id="369" r:id="rId12"/>
+    <p:sldId id="370" r:id="rId13"/>
+    <p:sldId id="371" r:id="rId14"/>
+    <p:sldId id="368" r:id="rId15"/>
+    <p:sldId id="363" r:id="rId16"/>
+    <p:sldId id="365" r:id="rId17"/>
+    <p:sldId id="366" r:id="rId18"/>
+    <p:sldId id="372" r:id="rId19"/>
+    <p:sldId id="361" r:id="rId20"/>
+    <p:sldId id="357" r:id="rId21"/>
+    <p:sldId id="358" r:id="rId22"/>
+    <p:sldId id="353" r:id="rId23"/>
   </p:sldIdLst>
   <p:sldSz cx="9144000" cy="6858000" type="screen4x3"/>
   <p:notesSz cx="6858000" cy="9296400"/>
@@ -152,7 +154,9 @@
             <p14:sldId id="344"/>
             <p14:sldId id="359"/>
             <p14:sldId id="362"/>
+            <p14:sldId id="374"/>
             <p14:sldId id="367"/>
+            <p14:sldId id="373"/>
             <p14:sldId id="369"/>
             <p14:sldId id="370"/>
             <p14:sldId id="371"/>
@@ -283,7 +287,7 @@
           <a:p>
             <a:fld id="{3094E33D-6E1D-4268-A0C7-E7AE08740D1A}" type="datetimeFigureOut">
               <a:rPr lang="en-US" smtClean="0"/>
-              <a:t>11/11/2018</a:t>
+              <a:t>11/21/2018</a:t>
             </a:fld>
             <a:endParaRPr lang="en-US"/>
           </a:p>
@@ -449,7 +453,7 @@
             <a:fld id="{95651016-69E9-464F-AF89-5684AEF24FEC}" type="datetimeFigureOut">
               <a:rPr lang="he-IL" smtClean="0"/>
               <a:pPr/>
-              <a:t>ג'/כסלו/תשע"ט</a:t>
+              <a:t>י"ג/כסלו/תשע"ט</a:t>
             </a:fld>
             <a:endParaRPr lang="he-IL"/>
           </a:p>
@@ -4215,6 +4219,13 @@
     <a:masterClrMapping/>
   </p:clrMapOvr>
   <p:transition/>
+  <p:timing>
+    <p:tnLst>
+      <p:par>
+        <p:cTn id="1" dur="indefinite" restart="never" nodeType="tmRoot"/>
+      </p:par>
+    </p:tnLst>
+  </p:timing>
 </p:sld>
 </file>
 
@@ -4252,6 +4263,244 @@
           <a:p>
             <a:pPr algn="ctr" rtl="0"/>
             <a:r>
+              <a:rPr lang="en-US" sz="1400" dirty="0"/>
+              <a:t>Telemetric SW flow</a:t>
+            </a:r>
+            <a:br>
+              <a:rPr lang="en-US" sz="1400" dirty="0"/>
+            </a:br>
+            <a:r>
+              <a:rPr lang="en-US" sz="1400" dirty="0" smtClean="0"/>
+              <a:t>Flash store process</a:t>
+            </a:r>
+            <a:endParaRPr lang="en-US" sz="1400" dirty="0"/>
+          </a:p>
+        </p:txBody>
+      </p:sp>
+      <p:pic>
+        <p:nvPicPr>
+          <p:cNvPr id="3075" name="Picture 3" descr="C:\Software_projects\Elbit\ElbitMalat\Telemetric\DR\Flow charts\FlashWriteTask.jpg"/>
+          <p:cNvPicPr>
+            <a:picLocks noChangeAspect="1" noChangeArrowheads="1"/>
+          </p:cNvPicPr>
+          <p:nvPr/>
+        </p:nvPicPr>
+        <p:blipFill>
+          <a:blip r:embed="rId2">
+            <a:extLst>
+              <a:ext uri="{28A0092B-C50C-407E-A947-70E740481C1C}">
+                <a14:useLocalDpi xmlns:a14="http://schemas.microsoft.com/office/drawing/2010/main" val="0"/>
+              </a:ext>
+            </a:extLst>
+          </a:blip>
+          <a:srcRect/>
+          <a:stretch>
+            <a:fillRect/>
+          </a:stretch>
+        </p:blipFill>
+        <p:spPr bwMode="auto">
+          <a:xfrm>
+            <a:off x="1609725" y="1023866"/>
+            <a:ext cx="6543675" cy="5148334"/>
+          </a:xfrm>
+          <a:prstGeom prst="rect">
+            <a:avLst/>
+          </a:prstGeom>
+          <a:noFill/>
+          <a:extLst>
+            <a:ext uri="{909E8E84-426E-40DD-AFC4-6F175D3DCCD1}">
+              <a14:hiddenFill xmlns:a14="http://schemas.microsoft.com/office/drawing/2010/main">
+                <a:solidFill>
+                  <a:srgbClr val="FFFFFF"/>
+                </a:solidFill>
+              </a14:hiddenFill>
+            </a:ext>
+          </a:extLst>
+        </p:spPr>
+      </p:pic>
+    </p:spTree>
+    <p:extLst>
+      <p:ext uri="{BB962C8B-B14F-4D97-AF65-F5344CB8AC3E}">
+        <p14:creationId xmlns:p14="http://schemas.microsoft.com/office/powerpoint/2010/main" val="1017578442"/>
+      </p:ext>
+    </p:extLst>
+  </p:cSld>
+  <p:clrMapOvr>
+    <a:masterClrMapping/>
+  </p:clrMapOvr>
+  <p:transition/>
+  <p:timing>
+    <p:tnLst>
+      <p:par>
+        <p:cTn id="1" dur="indefinite" restart="never" nodeType="tmRoot"/>
+      </p:par>
+    </p:tnLst>
+  </p:timing>
+</p:sld>
+</file>
+
+<file path=ppt/slides/slide11.xml><?xml version="1.0" encoding="utf-8"?>
+<p:sld xmlns:a="http://schemas.openxmlformats.org/drawingml/2006/main" xmlns:r="http://schemas.openxmlformats.org/officeDocument/2006/relationships" xmlns:p="http://schemas.openxmlformats.org/presentationml/2006/main">
+  <p:cSld>
+    <p:spTree>
+      <p:nvGrpSpPr>
+        <p:cNvPr id="1" name=""/>
+        <p:cNvGrpSpPr/>
+        <p:nvPr/>
+      </p:nvGrpSpPr>
+      <p:grpSpPr>
+        <a:xfrm>
+          <a:off x="0" y="0"/>
+          <a:ext cx="0" cy="0"/>
+          <a:chOff x="0" y="0"/>
+          <a:chExt cx="0" cy="0"/>
+        </a:xfrm>
+      </p:grpSpPr>
+      <p:sp>
+        <p:nvSpPr>
+          <p:cNvPr id="6" name="Content Placeholder 5"/>
+          <p:cNvSpPr>
+            <a:spLocks noGrp="1"/>
+          </p:cNvSpPr>
+          <p:nvPr>
+            <p:ph idx="1"/>
+          </p:nvPr>
+        </p:nvSpPr>
+        <p:spPr>
+          <a:xfrm>
+            <a:off x="179388" y="1080001"/>
+            <a:ext cx="8713787" cy="1168250"/>
+          </a:xfrm>
+        </p:spPr>
+        <p:txBody>
+          <a:bodyPr/>
+          <a:lstStyle/>
+          <a:p>
+            <a:endParaRPr lang="en-US" sz="1100" dirty="0"/>
+          </a:p>
+          <a:p>
+            <a:r>
+              <a:rPr lang="en-US" sz="1100" dirty="0"/>
+              <a:t>RTC shall record current system data and present it in RT viewer upon user request and based on the following conditions:</a:t>
+            </a:r>
+          </a:p>
+          <a:p>
+            <a:pPr lvl="1"/>
+            <a:r>
+              <a:rPr lang="en-US" sz="1100" dirty="0" smtClean="0"/>
+              <a:t>Each TLM member shall be saved on Current status queue in the order of the time he arrive to queue. </a:t>
+            </a:r>
+            <a:endParaRPr lang="en-US" sz="1100" dirty="0"/>
+          </a:p>
+          <a:p>
+            <a:pPr lvl="1"/>
+            <a:r>
+              <a:rPr lang="en-US" sz="1100" dirty="0"/>
+              <a:t>Upon any given read the telemetric data the timestamp shall be read as well . </a:t>
+            </a:r>
+          </a:p>
+          <a:p>
+            <a:pPr marL="0" indent="0">
+              <a:buNone/>
+            </a:pPr>
+            <a:endParaRPr lang="en-US" sz="1100" dirty="0"/>
+          </a:p>
+          <a:p>
+            <a:pPr marL="0" indent="0">
+              <a:buNone/>
+            </a:pPr>
+            <a:r>
+              <a:rPr lang="en-US" dirty="0"/>
+              <a:t>  </a:t>
+            </a:r>
+          </a:p>
+        </p:txBody>
+      </p:sp>
+      <p:sp>
+        <p:nvSpPr>
+          <p:cNvPr id="5" name="Title 4"/>
+          <p:cNvSpPr>
+            <a:spLocks noGrp="1"/>
+          </p:cNvSpPr>
+          <p:nvPr>
+            <p:ph type="title"/>
+          </p:nvPr>
+        </p:nvSpPr>
+        <p:spPr/>
+        <p:txBody>
+          <a:bodyPr/>
+          <a:lstStyle/>
+          <a:p>
+            <a:pPr algn="ctr" rtl="0"/>
+            <a:r>
+              <a:rPr lang="en-US" dirty="0"/>
+              <a:t>RT TLM </a:t>
+            </a:r>
+            <a:br>
+              <a:rPr lang="en-US" dirty="0"/>
+            </a:br>
+            <a:r>
+              <a:rPr lang="en-US" sz="2100" dirty="0"/>
+              <a:t>Telemetric current state - requirements</a:t>
+            </a:r>
+          </a:p>
+        </p:txBody>
+      </p:sp>
+    </p:spTree>
+    <p:extLst>
+      <p:ext uri="{BB962C8B-B14F-4D97-AF65-F5344CB8AC3E}">
+        <p14:creationId xmlns:p14="http://schemas.microsoft.com/office/powerpoint/2010/main" val="1488263557"/>
+      </p:ext>
+    </p:extLst>
+  </p:cSld>
+  <p:clrMapOvr>
+    <a:masterClrMapping/>
+  </p:clrMapOvr>
+  <p:transition/>
+  <p:timing>
+    <p:tnLst>
+      <p:par>
+        <p:cTn id="1" dur="indefinite" restart="never" nodeType="tmRoot"/>
+      </p:par>
+    </p:tnLst>
+  </p:timing>
+</p:sld>
+</file>
+
+<file path=ppt/slides/slide12.xml><?xml version="1.0" encoding="utf-8"?>
+<p:sld xmlns:a="http://schemas.openxmlformats.org/drawingml/2006/main" xmlns:r="http://schemas.openxmlformats.org/officeDocument/2006/relationships" xmlns:p="http://schemas.openxmlformats.org/presentationml/2006/main">
+  <p:cSld>
+    <p:spTree>
+      <p:nvGrpSpPr>
+        <p:cNvPr id="1" name=""/>
+        <p:cNvGrpSpPr/>
+        <p:nvPr/>
+      </p:nvGrpSpPr>
+      <p:grpSpPr>
+        <a:xfrm>
+          <a:off x="0" y="0"/>
+          <a:ext cx="0" cy="0"/>
+          <a:chOff x="0" y="0"/>
+          <a:chExt cx="0" cy="0"/>
+        </a:xfrm>
+      </p:grpSpPr>
+      <p:sp>
+        <p:nvSpPr>
+          <p:cNvPr id="5" name="Title 4"/>
+          <p:cNvSpPr>
+            <a:spLocks noGrp="1"/>
+          </p:cNvSpPr>
+          <p:nvPr>
+            <p:ph type="title"/>
+          </p:nvPr>
+        </p:nvSpPr>
+        <p:spPr/>
+        <p:txBody>
+          <a:bodyPr/>
+          <a:lstStyle/>
+          <a:p>
+            <a:pPr algn="ctr" rtl="0"/>
+            <a:r>
               <a:rPr lang="en-US" dirty="0"/>
               <a:t>RT TLM </a:t>
             </a:r>
@@ -4423,7 +4672,7 @@
 </p:sld>
 </file>
 
-<file path=ppt/slides/slide11.xml><?xml version="1.0" encoding="utf-8"?>
+<file path=ppt/slides/slide13.xml><?xml version="1.0" encoding="utf-8"?>
 <p:sld xmlns:a="http://schemas.openxmlformats.org/drawingml/2006/main" xmlns:r="http://schemas.openxmlformats.org/officeDocument/2006/relationships" xmlns:p="http://schemas.openxmlformats.org/presentationml/2006/main">
   <p:cSld>
     <p:spTree>
@@ -4574,10 +4823,17 @@
     <a:masterClrMapping/>
   </p:clrMapOvr>
   <p:transition/>
+  <p:timing>
+    <p:tnLst>
+      <p:par>
+        <p:cTn id="1" dur="indefinite" restart="never" nodeType="tmRoot"/>
+      </p:par>
+    </p:tnLst>
+  </p:timing>
 </p:sld>
 </file>
 
-<file path=ppt/slides/slide12.xml><?xml version="1.0" encoding="utf-8"?>
+<file path=ppt/slides/slide14.xml><?xml version="1.0" encoding="utf-8"?>
 <p:sld xmlns:a="http://schemas.openxmlformats.org/drawingml/2006/main" xmlns:r="http://schemas.openxmlformats.org/officeDocument/2006/relationships" xmlns:p="http://schemas.openxmlformats.org/presentationml/2006/main">
   <p:cSld>
     <p:spTree>
@@ -4725,10 +4981,17 @@
     <a:masterClrMapping/>
   </p:clrMapOvr>
   <p:transition/>
+  <p:timing>
+    <p:tnLst>
+      <p:par>
+        <p:cTn id="1" dur="indefinite" restart="never" nodeType="tmRoot"/>
+      </p:par>
+    </p:tnLst>
+  </p:timing>
 </p:sld>
 </file>
 
-<file path=ppt/slides/slide13.xml><?xml version="1.0" encoding="utf-8"?>
+<file path=ppt/slides/slide15.xml><?xml version="1.0" encoding="utf-8"?>
 <p:sld xmlns:a="http://schemas.openxmlformats.org/drawingml/2006/main" xmlns:r="http://schemas.openxmlformats.org/officeDocument/2006/relationships" xmlns:p="http://schemas.openxmlformats.org/presentationml/2006/main">
   <p:cSld>
     <p:spTree>
@@ -4876,10 +5139,17 @@
     <a:masterClrMapping/>
   </p:clrMapOvr>
   <p:transition/>
+  <p:timing>
+    <p:tnLst>
+      <p:par>
+        <p:cTn id="1" dur="indefinite" restart="never" nodeType="tmRoot"/>
+      </p:par>
+    </p:tnLst>
+  </p:timing>
 </p:sld>
 </file>
 
-<file path=ppt/slides/slide14.xml><?xml version="1.0" encoding="utf-8"?>
+<file path=ppt/slides/slide16.xml><?xml version="1.0" encoding="utf-8"?>
 <p:sld xmlns:a="http://schemas.openxmlformats.org/drawingml/2006/main" xmlns:r="http://schemas.openxmlformats.org/officeDocument/2006/relationships" xmlns:p="http://schemas.openxmlformats.org/presentationml/2006/main">
   <p:cSld>
     <p:spTree>
@@ -4990,10 +5260,17 @@
     <a:masterClrMapping/>
   </p:clrMapOvr>
   <p:transition/>
+  <p:timing>
+    <p:tnLst>
+      <p:par>
+        <p:cTn id="1" dur="indefinite" restart="never" nodeType="tmRoot"/>
+      </p:par>
+    </p:tnLst>
+  </p:timing>
 </p:sld>
 </file>
 
-<file path=ppt/slides/slide15.xml><?xml version="1.0" encoding="utf-8"?>
+<file path=ppt/slides/slide17.xml><?xml version="1.0" encoding="utf-8"?>
 <p:sld xmlns:a="http://schemas.openxmlformats.org/drawingml/2006/main" xmlns:r="http://schemas.openxmlformats.org/officeDocument/2006/relationships" xmlns:p="http://schemas.openxmlformats.org/presentationml/2006/main">
   <p:cSld>
     <p:spTree>
@@ -5469,10 +5746,17 @@
     <a:masterClrMapping/>
   </p:clrMapOvr>
   <p:transition/>
+  <p:timing>
+    <p:tnLst>
+      <p:par>
+        <p:cTn id="1" dur="indefinite" restart="never" nodeType="tmRoot"/>
+      </p:par>
+    </p:tnLst>
+  </p:timing>
 </p:sld>
 </file>
 
-<file path=ppt/slides/slide16.xml><?xml version="1.0" encoding="utf-8"?>
+<file path=ppt/slides/slide18.xml><?xml version="1.0" encoding="utf-8"?>
 <p:sld xmlns:a="http://schemas.openxmlformats.org/drawingml/2006/main" xmlns:r="http://schemas.openxmlformats.org/officeDocument/2006/relationships" xmlns:p="http://schemas.openxmlformats.org/presentationml/2006/main">
   <p:cSld>
     <p:spTree>
@@ -5979,10 +6263,17 @@
     <a:masterClrMapping/>
   </p:clrMapOvr>
   <p:transition/>
+  <p:timing>
+    <p:tnLst>
+      <p:par>
+        <p:cTn id="1" dur="indefinite" restart="never" nodeType="tmRoot"/>
+      </p:par>
+    </p:tnLst>
+  </p:timing>
 </p:sld>
 </file>
 
-<file path=ppt/slides/slide17.xml><?xml version="1.0" encoding="utf-8"?>
+<file path=ppt/slides/slide19.xml><?xml version="1.0" encoding="utf-8"?>
 <p:sld xmlns:a="http://schemas.openxmlformats.org/drawingml/2006/main" xmlns:r="http://schemas.openxmlformats.org/officeDocument/2006/relationships" xmlns:p="http://schemas.openxmlformats.org/presentationml/2006/main">
   <p:cSld>
     <p:spTree>
@@ -6192,7 +6483,7 @@
                 </a:solidFill>
               </a:rPr>
               <a:pPr eaLnBrk="1" hangingPunct="1"/>
-              <a:t>17</a:t>
+              <a:t>19</a:t>
             </a:fld>
             <a:endParaRPr lang="en-US">
               <a:solidFill>
@@ -6274,6 +6565,13 @@
     <a:masterClrMapping/>
   </p:clrMapOvr>
   <p:transition/>
+  <p:timing>
+    <p:tnLst>
+      <p:par>
+        <p:cTn id="1" dur="indefinite" restart="never" nodeType="tmRoot"/>
+      </p:par>
+    </p:tnLst>
+  </p:timing>
 </p:sld>
 </file>
 
@@ -6355,11 +6653,27 @@
             </a:r>
             <a:r>
               <a:rPr lang="en-US" sz="1050" dirty="0" smtClean="0"/>
-              <a:t>UINT64, </a:t>
+              <a:t>UINT64</a:t>
+            </a:r>
+            <a:r>
+              <a:rPr lang="en-US" sz="1050" smtClean="0"/>
+              <a:t>, </a:t>
+            </a:r>
+            <a:r>
+              <a:rPr lang="en-US" sz="1050" smtClean="0"/>
+              <a:t>FLOAT</a:t>
+            </a:r>
+            <a:r>
+              <a:rPr lang="en-US" sz="1050" smtClean="0"/>
+              <a:t>, </a:t>
+            </a:r>
+            <a:r>
+              <a:rPr lang="en-US" sz="1050" smtClean="0"/>
+              <a:t>DOUBLE </a:t>
             </a:r>
             <a:r>
               <a:rPr lang="en-US" sz="1050" dirty="0"/>
-              <a:t>FLOAT_DOUBLE ].</a:t>
+              <a:t>].</a:t>
             </a:r>
           </a:p>
           <a:p>
@@ -6417,38 +6731,13 @@
           <a:p>
             <a:pPr lvl="1"/>
             <a:r>
-              <a:rPr lang="en-US" sz="1050" dirty="0"/>
-              <a:t>CRC8 – Each data member will store CRC-8 for data traceability. </a:t>
-            </a:r>
-            <a:endParaRPr lang="en-US" sz="1300" dirty="0"/>
-          </a:p>
-          <a:p>
-            <a:r>
-              <a:rPr lang="en-US" sz="1100" dirty="0"/>
-              <a:t>Each telemetric data member that will saved to Flash / Current structure will be saved at the following form:</a:t>
-            </a:r>
-          </a:p>
-          <a:p>
-            <a:pPr lvl="1"/>
-            <a:r>
-              <a:rPr lang="en-US" sz="900" dirty="0"/>
-              <a:t>Data: The member data will be convert to </a:t>
-            </a:r>
-            <a:r>
-              <a:rPr lang="en-US" sz="900" dirty="0" smtClean="0"/>
-              <a:t>bytes (number of bytes will be match to data type).</a:t>
-            </a:r>
-            <a:endParaRPr lang="en-US" sz="900" dirty="0"/>
-          </a:p>
-          <a:p>
-            <a:pPr lvl="1"/>
-            <a:r>
-              <a:rPr lang="en-US" sz="900" dirty="0"/>
-              <a:t>Information bytes (3 bytes): This bytes consist the telemetric member information by bit fields at the following order:</a:t>
-            </a:r>
-          </a:p>
-          <a:p>
-            <a:pPr lvl="1"/>
+              <a:rPr lang="en-US" sz="1050" dirty="0" smtClean="0"/>
+              <a:t>The </a:t>
+            </a:r>
+            <a:r>
+              <a:rPr lang="en-US" sz="1050" dirty="0" smtClean="0"/>
+              <a:t>data for each telemetric member shall be saved in bytes.</a:t>
+            </a:r>
             <a:endParaRPr lang="en-US" sz="900" dirty="0"/>
           </a:p>
           <a:p>
@@ -6506,42 +6795,6 @@
           </a:p>
         </p:txBody>
       </p:sp>
-      <p:pic>
-        <p:nvPicPr>
-          <p:cNvPr id="7" name="Picture 6">
-            <a:extLst>
-              <a:ext uri="{FF2B5EF4-FFF2-40B4-BE49-F238E27FC236}">
-                <a16:creationId xmlns="" xmlns:a16="http://schemas.microsoft.com/office/drawing/2014/main" id="{7F5A8996-0B93-44DF-B322-B2EA417282AD}"/>
-              </a:ext>
-            </a:extLst>
-          </p:cNvPr>
-          <p:cNvPicPr>
-            <a:picLocks noChangeAspect="1"/>
-          </p:cNvPicPr>
-          <p:nvPr/>
-        </p:nvPicPr>
-        <p:blipFill>
-          <a:blip r:embed="rId2">
-            <a:extLst>
-              <a:ext uri="{28A0092B-C50C-407E-A947-70E740481C1C}">
-                <a14:useLocalDpi xmlns:a14="http://schemas.microsoft.com/office/drawing/2010/main" val="0"/>
-              </a:ext>
-            </a:extLst>
-          </a:blip>
-          <a:stretch>
-            <a:fillRect/>
-          </a:stretch>
-        </p:blipFill>
-        <p:spPr>
-          <a:xfrm>
-            <a:off x="423221" y="4639330"/>
-            <a:ext cx="8297557" cy="1360403"/>
-          </a:xfrm>
-          <a:prstGeom prst="rect">
-            <a:avLst/>
-          </a:prstGeom>
-        </p:spPr>
-      </p:pic>
     </p:spTree>
     <p:extLst>
       <p:ext uri="{BB962C8B-B14F-4D97-AF65-F5344CB8AC3E}">
@@ -6553,6 +6806,13 @@
     <a:masterClrMapping/>
   </p:clrMapOvr>
   <p:transition/>
+  <p:timing>
+    <p:tnLst>
+      <p:par>
+        <p:cTn id="1" dur="indefinite" restart="never" nodeType="tmRoot"/>
+      </p:par>
+    </p:tnLst>
+  </p:timing>
 </p:sld>
 </file>
 
@@ -7913,6 +8173,13 @@
     <a:masterClrMapping/>
   </p:clrMapOvr>
   <p:transition/>
+  <p:timing>
+    <p:tnLst>
+      <p:par>
+        <p:cTn id="1" dur="indefinite" restart="never" nodeType="tmRoot"/>
+      </p:par>
+    </p:tnLst>
+  </p:timing>
 </p:sld>
 </file>
 
@@ -7996,8 +8263,21 @@
             </a:r>
             <a:r>
               <a:rPr lang="en-US" sz="1100" dirty="0"/>
-              <a:t>contain all the telemetric members that belong to him.</a:t>
-            </a:r>
+              <a:t>contain </a:t>
+            </a:r>
+            <a:r>
+              <a:rPr lang="en-US" sz="1100" dirty="0" smtClean="0"/>
+              <a:t>data buffers that consist telemetric </a:t>
+            </a:r>
+            <a:r>
+              <a:rPr lang="en-US" sz="1100" dirty="0"/>
+              <a:t>members that belong to </a:t>
+            </a:r>
+            <a:r>
+              <a:rPr lang="en-US" sz="1100" dirty="0" smtClean="0"/>
+              <a:t>this group number.</a:t>
+            </a:r>
+            <a:endParaRPr lang="en-US" sz="1100" dirty="0"/>
           </a:p>
           <a:p>
             <a:pPr lvl="1"/>
@@ -8040,54 +8320,6 @@
               <a:rPr lang="en-US" sz="1100" dirty="0"/>
               <a:t>The System Engineer will have the available memory space for each program on Flash. With this information the System Engineer shell supply the number of iterations for each program to save.  </a:t>
             </a:r>
-            <a:endParaRPr lang="en-US" sz="1050" dirty="0"/>
-          </a:p>
-          <a:p>
-            <a:pPr lvl="1"/>
-            <a:r>
-              <a:rPr lang="en-US" sz="1100" dirty="0"/>
-              <a:t>Program header bytes: This header will be a part for each </a:t>
-            </a:r>
-            <a:r>
-              <a:rPr lang="en-US" sz="1100" dirty="0" smtClean="0"/>
-              <a:t>local program buffer. </a:t>
-            </a:r>
-            <a:r>
-              <a:rPr lang="en-US" sz="1100" dirty="0"/>
-              <a:t>This header consist:</a:t>
-            </a:r>
-          </a:p>
-          <a:p>
-            <a:pPr lvl="2"/>
-            <a:r>
-              <a:rPr lang="en-US" sz="700" dirty="0"/>
-              <a:t> </a:t>
-            </a:r>
-            <a:r>
-              <a:rPr lang="en-US" sz="1100" dirty="0"/>
-              <a:t>Time stamp: Will indicate the </a:t>
-            </a:r>
-            <a:r>
-              <a:rPr lang="en-US" sz="1100" dirty="0" smtClean="0"/>
-              <a:t>time to last write time to </a:t>
-            </a:r>
-            <a:r>
-              <a:rPr lang="en-US" sz="1100" dirty="0"/>
-              <a:t>Flash.</a:t>
-            </a:r>
-          </a:p>
-          <a:p>
-            <a:pPr lvl="2"/>
-            <a:r>
-              <a:rPr lang="en-US" sz="1100" dirty="0"/>
-              <a:t>Address of the last buffer to write to Flash.</a:t>
-            </a:r>
-          </a:p>
-          <a:p>
-            <a:pPr marL="0" indent="0">
-              <a:buNone/>
-            </a:pPr>
-            <a:endParaRPr lang="en-US" sz="1100" dirty="0"/>
           </a:p>
           <a:p>
             <a:pPr marL="0" indent="0">
@@ -8141,10 +8373,272 @@
     <a:masterClrMapping/>
   </p:clrMapOvr>
   <p:transition/>
+  <p:timing>
+    <p:tnLst>
+      <p:par>
+        <p:cTn id="1" dur="indefinite" restart="never" nodeType="tmRoot"/>
+      </p:par>
+    </p:tnLst>
+  </p:timing>
 </p:sld>
 </file>
 
 <file path=ppt/slides/slide5.xml><?xml version="1.0" encoding="utf-8"?>
+<p:sld xmlns:a="http://schemas.openxmlformats.org/drawingml/2006/main" xmlns:r="http://schemas.openxmlformats.org/officeDocument/2006/relationships" xmlns:p="http://schemas.openxmlformats.org/presentationml/2006/main">
+  <p:cSld>
+    <p:spTree>
+      <p:nvGrpSpPr>
+        <p:cNvPr id="1" name=""/>
+        <p:cNvGrpSpPr/>
+        <p:nvPr/>
+      </p:nvGrpSpPr>
+      <p:grpSpPr>
+        <a:xfrm>
+          <a:off x="0" y="0"/>
+          <a:ext cx="0" cy="0"/>
+          <a:chOff x="0" y="0"/>
+          <a:chExt cx="0" cy="0"/>
+        </a:xfrm>
+      </p:grpSpPr>
+      <p:sp>
+        <p:nvSpPr>
+          <p:cNvPr id="6" name="Content Placeholder 5"/>
+          <p:cNvSpPr>
+            <a:spLocks noGrp="1"/>
+          </p:cNvSpPr>
+          <p:nvPr>
+            <p:ph idx="1"/>
+          </p:nvPr>
+        </p:nvSpPr>
+        <p:spPr>
+          <a:xfrm>
+            <a:off x="179388" y="1080000"/>
+            <a:ext cx="8713787" cy="872625"/>
+          </a:xfrm>
+        </p:spPr>
+        <p:txBody>
+          <a:bodyPr/>
+          <a:lstStyle/>
+          <a:p>
+            <a:endParaRPr lang="en-US" sz="1100" dirty="0"/>
+          </a:p>
+          <a:p>
+            <a:r>
+              <a:rPr lang="en-US" sz="1100" dirty="0" smtClean="0"/>
+              <a:t>Flash data blocks headers</a:t>
+            </a:r>
+          </a:p>
+          <a:p>
+            <a:pPr lvl="1"/>
+            <a:r>
+              <a:rPr lang="en-US" sz="1100" dirty="0" smtClean="0"/>
+              <a:t>The following shell present the headers for each data block:</a:t>
+            </a:r>
+          </a:p>
+          <a:p>
+            <a:pPr lvl="1"/>
+            <a:endParaRPr lang="en-US" sz="1100" dirty="0"/>
+          </a:p>
+          <a:p>
+            <a:pPr lvl="1"/>
+            <a:endParaRPr lang="en-US" sz="1100" dirty="0" smtClean="0"/>
+          </a:p>
+          <a:p>
+            <a:pPr lvl="1"/>
+            <a:endParaRPr lang="en-US" sz="1100" dirty="0"/>
+          </a:p>
+          <a:p>
+            <a:pPr lvl="1"/>
+            <a:endParaRPr lang="en-US" sz="1100" dirty="0" smtClean="0"/>
+          </a:p>
+          <a:p>
+            <a:pPr lvl="1"/>
+            <a:endParaRPr lang="en-US" sz="1100" dirty="0"/>
+          </a:p>
+          <a:p>
+            <a:pPr lvl="1"/>
+            <a:endParaRPr lang="en-US" sz="1100" dirty="0" smtClean="0"/>
+          </a:p>
+          <a:p>
+            <a:pPr lvl="1"/>
+            <a:endParaRPr lang="en-US" sz="1100" dirty="0"/>
+          </a:p>
+          <a:p>
+            <a:pPr lvl="1"/>
+            <a:endParaRPr lang="en-US" sz="1100" dirty="0" smtClean="0"/>
+          </a:p>
+          <a:p>
+            <a:pPr lvl="1"/>
+            <a:r>
+              <a:rPr lang="en-US" sz="1100" dirty="0" smtClean="0"/>
+              <a:t>When</a:t>
+            </a:r>
+          </a:p>
+          <a:p>
+            <a:pPr lvl="2"/>
+            <a:r>
+              <a:rPr lang="en-US" sz="1100" dirty="0" smtClean="0"/>
+              <a:t>RTC module: the </a:t>
+            </a:r>
+            <a:r>
+              <a:rPr lang="en-US" sz="1100" dirty="0"/>
+              <a:t>RTC module that the data member belong to (e.g. PFD, UAV, etc.…) [up to 32 groups].</a:t>
+            </a:r>
+          </a:p>
+          <a:p>
+            <a:pPr lvl="2"/>
+            <a:r>
+              <a:rPr lang="en-US" sz="1100" dirty="0" smtClean="0"/>
+              <a:t>Member index: Position of this data member in the module telemetric structure. </a:t>
+            </a:r>
+          </a:p>
+          <a:p>
+            <a:pPr lvl="2"/>
+            <a:r>
+              <a:rPr lang="en-US" sz="1100" dirty="0"/>
+              <a:t>Data type: Data type of the data [INT8, UINT8, INT16, UINT16, INT32, UINT32, INT64, UINT64, FLOAT_DOUBLE ].</a:t>
+            </a:r>
+          </a:p>
+          <a:p>
+            <a:pPr lvl="2"/>
+            <a:r>
+              <a:rPr lang="en-US" sz="1100" dirty="0" smtClean="0"/>
+              <a:t>Time stamp: The time that this buffer save to Flash memory section.</a:t>
+            </a:r>
+          </a:p>
+          <a:p>
+            <a:pPr lvl="2"/>
+            <a:r>
+              <a:rPr lang="en-US" sz="1100" dirty="0" smtClean="0"/>
+              <a:t>Group number</a:t>
+            </a:r>
+            <a:r>
+              <a:rPr lang="en-US" sz="1100" dirty="0"/>
+              <a:t>: : Indicate the rate sample in </a:t>
+            </a:r>
+            <a:r>
+              <a:rPr lang="en-US" sz="1100" dirty="0" err="1"/>
+              <a:t>mSec</a:t>
+            </a:r>
+            <a:r>
+              <a:rPr lang="en-US" sz="1100" dirty="0"/>
+              <a:t> (up to 10 possible groups) (Each group rate [</a:t>
+            </a:r>
+            <a:r>
+              <a:rPr lang="en-US" sz="1100" dirty="0" err="1"/>
+              <a:t>mSec</a:t>
+            </a:r>
+            <a:r>
+              <a:rPr lang="en-US" sz="1100" dirty="0"/>
+              <a:t>] is configurable throw “offline parameters” table).</a:t>
+            </a:r>
+          </a:p>
+          <a:p>
+            <a:pPr lvl="2"/>
+            <a:r>
+              <a:rPr lang="en-US" sz="1100" dirty="0" smtClean="0"/>
+              <a:t>Buffer counter index: Number of buffers that placed in the Flash memory section.</a:t>
+            </a:r>
+          </a:p>
+          <a:p>
+            <a:pPr marL="0" indent="0">
+              <a:buNone/>
+            </a:pPr>
+            <a:endParaRPr lang="en-US" sz="1100" dirty="0"/>
+          </a:p>
+          <a:p>
+            <a:pPr marL="0" indent="0">
+              <a:buNone/>
+            </a:pPr>
+            <a:r>
+              <a:rPr lang="en-US" dirty="0"/>
+              <a:t>  </a:t>
+            </a:r>
+          </a:p>
+        </p:txBody>
+      </p:sp>
+      <p:sp>
+        <p:nvSpPr>
+          <p:cNvPr id="5" name="Title 4"/>
+          <p:cNvSpPr>
+            <a:spLocks noGrp="1"/>
+          </p:cNvSpPr>
+          <p:nvPr>
+            <p:ph type="title"/>
+          </p:nvPr>
+        </p:nvSpPr>
+        <p:spPr/>
+        <p:txBody>
+          <a:bodyPr/>
+          <a:lstStyle/>
+          <a:p>
+            <a:pPr algn="ctr" rtl="0"/>
+            <a:r>
+              <a:rPr lang="en-US" dirty="0"/>
+              <a:t>RT TLM </a:t>
+            </a:r>
+            <a:br>
+              <a:rPr lang="en-US" dirty="0"/>
+            </a:br>
+            <a:r>
+              <a:rPr lang="en-US" dirty="0"/>
+              <a:t>Flash – general requirements</a:t>
+            </a:r>
+          </a:p>
+        </p:txBody>
+      </p:sp>
+      <p:pic>
+        <p:nvPicPr>
+          <p:cNvPr id="3" name="Picture 2"/>
+          <p:cNvPicPr>
+            <a:picLocks noChangeAspect="1"/>
+          </p:cNvPicPr>
+          <p:nvPr/>
+        </p:nvPicPr>
+        <p:blipFill>
+          <a:blip r:embed="rId2">
+            <a:extLst>
+              <a:ext uri="{28A0092B-C50C-407E-A947-70E740481C1C}">
+                <a14:useLocalDpi xmlns:a14="http://schemas.microsoft.com/office/drawing/2010/main" val="0"/>
+              </a:ext>
+            </a:extLst>
+          </a:blip>
+          <a:stretch>
+            <a:fillRect/>
+          </a:stretch>
+        </p:blipFill>
+        <p:spPr>
+          <a:xfrm>
+            <a:off x="1271586" y="1914525"/>
+            <a:ext cx="6600825" cy="1809750"/>
+          </a:xfrm>
+          <a:prstGeom prst="rect">
+            <a:avLst/>
+          </a:prstGeom>
+        </p:spPr>
+      </p:pic>
+    </p:spTree>
+    <p:extLst>
+      <p:ext uri="{BB962C8B-B14F-4D97-AF65-F5344CB8AC3E}">
+        <p14:creationId xmlns:p14="http://schemas.microsoft.com/office/powerpoint/2010/main" val="3580532081"/>
+      </p:ext>
+    </p:extLst>
+  </p:cSld>
+  <p:clrMapOvr>
+    <a:masterClrMapping/>
+  </p:clrMapOvr>
+  <p:transition/>
+  <p:timing>
+    <p:tnLst>
+      <p:par>
+        <p:cTn id="1" dur="indefinite" restart="never" nodeType="tmRoot"/>
+      </p:par>
+    </p:tnLst>
+  </p:timing>
+</p:sld>
+</file>
+
+<file path=ppt/slides/slide6.xml><?xml version="1.0" encoding="utf-8"?>
 <p:sld xmlns:a="http://schemas.openxmlformats.org/drawingml/2006/main" xmlns:r="http://schemas.openxmlformats.org/officeDocument/2006/relationships" xmlns:p="http://schemas.openxmlformats.org/presentationml/2006/main">
   <p:cSld>
     <p:spTree>
@@ -8864,7 +9358,110 @@
 </p:sld>
 </file>
 
-<file path=ppt/slides/slide6.xml><?xml version="1.0" encoding="utf-8"?>
+<file path=ppt/slides/slide7.xml><?xml version="1.0" encoding="utf-8"?>
+<p:sld xmlns:a="http://schemas.openxmlformats.org/drawingml/2006/main" xmlns:r="http://schemas.openxmlformats.org/officeDocument/2006/relationships" xmlns:p="http://schemas.openxmlformats.org/presentationml/2006/main">
+  <p:cSld>
+    <p:spTree>
+      <p:nvGrpSpPr>
+        <p:cNvPr id="1" name=""/>
+        <p:cNvGrpSpPr/>
+        <p:nvPr/>
+      </p:nvGrpSpPr>
+      <p:grpSpPr>
+        <a:xfrm>
+          <a:off x="0" y="0"/>
+          <a:ext cx="0" cy="0"/>
+          <a:chOff x="0" y="0"/>
+          <a:chExt cx="0" cy="0"/>
+        </a:xfrm>
+      </p:grpSpPr>
+      <p:sp>
+        <p:nvSpPr>
+          <p:cNvPr id="5" name="Title 4"/>
+          <p:cNvSpPr>
+            <a:spLocks noGrp="1"/>
+          </p:cNvSpPr>
+          <p:nvPr>
+            <p:ph type="title"/>
+          </p:nvPr>
+        </p:nvSpPr>
+        <p:spPr/>
+        <p:txBody>
+          <a:bodyPr/>
+          <a:lstStyle/>
+          <a:p>
+            <a:pPr algn="ctr" rtl="0"/>
+            <a:r>
+              <a:rPr lang="en-US" dirty="0"/>
+              <a:t>RT TLM </a:t>
+            </a:r>
+            <a:br>
+              <a:rPr lang="en-US" dirty="0"/>
+            </a:br>
+            <a:r>
+              <a:rPr lang="en-US" dirty="0"/>
+              <a:t>Flash – </a:t>
+            </a:r>
+            <a:r>
+              <a:rPr lang="en-US" dirty="0" smtClean="0"/>
+              <a:t>Memory description</a:t>
+            </a:r>
+            <a:endParaRPr lang="en-US" dirty="0"/>
+          </a:p>
+        </p:txBody>
+      </p:sp>
+      <p:pic>
+        <p:nvPicPr>
+          <p:cNvPr id="4" name="Picture 3"/>
+          <p:cNvPicPr>
+            <a:picLocks noChangeAspect="1"/>
+          </p:cNvPicPr>
+          <p:nvPr/>
+        </p:nvPicPr>
+        <p:blipFill>
+          <a:blip r:embed="rId2">
+            <a:extLst>
+              <a:ext uri="{28A0092B-C50C-407E-A947-70E740481C1C}">
+                <a14:useLocalDpi xmlns:a14="http://schemas.microsoft.com/office/drawing/2010/main" val="0"/>
+              </a:ext>
+            </a:extLst>
+          </a:blip>
+          <a:stretch>
+            <a:fillRect/>
+          </a:stretch>
+        </p:blipFill>
+        <p:spPr>
+          <a:xfrm>
+            <a:off x="961654" y="797204"/>
+            <a:ext cx="7191746" cy="5870295"/>
+          </a:xfrm>
+          <a:prstGeom prst="rect">
+            <a:avLst/>
+          </a:prstGeom>
+        </p:spPr>
+      </p:pic>
+    </p:spTree>
+    <p:extLst>
+      <p:ext uri="{BB962C8B-B14F-4D97-AF65-F5344CB8AC3E}">
+        <p14:creationId xmlns:p14="http://schemas.microsoft.com/office/powerpoint/2010/main" val="3649360903"/>
+      </p:ext>
+    </p:extLst>
+  </p:cSld>
+  <p:clrMapOvr>
+    <a:masterClrMapping/>
+  </p:clrMapOvr>
+  <p:transition/>
+  <p:timing>
+    <p:tnLst>
+      <p:par>
+        <p:cTn id="1" dur="indefinite" restart="never" nodeType="tmRoot"/>
+      </p:par>
+    </p:tnLst>
+  </p:timing>
+</p:sld>
+</file>
+
+<file path=ppt/slides/slide8.xml><?xml version="1.0" encoding="utf-8"?>
 <p:sld xmlns:a="http://schemas.openxmlformats.org/drawingml/2006/main" xmlns:r="http://schemas.openxmlformats.org/officeDocument/2006/relationships" xmlns:p="http://schemas.openxmlformats.org/presentationml/2006/main">
   <p:cSld>
     <p:spTree>
@@ -8974,7 +9571,7 @@
 </p:sld>
 </file>
 
-<file path=ppt/slides/slide7.xml><?xml version="1.0" encoding="utf-8"?>
+<file path=ppt/slides/slide9.xml><?xml version="1.0" encoding="utf-8"?>
 <p:sld xmlns:a="http://schemas.openxmlformats.org/drawingml/2006/main" xmlns:r="http://schemas.openxmlformats.org/officeDocument/2006/relationships" xmlns:p="http://schemas.openxmlformats.org/presentationml/2006/main">
   <p:cSld>
     <p:spTree>
@@ -9067,244 +9664,6 @@
     <p:extLst>
       <p:ext uri="{BB962C8B-B14F-4D97-AF65-F5344CB8AC3E}">
         <p14:creationId xmlns:p14="http://schemas.microsoft.com/office/powerpoint/2010/main" val="1503254450"/>
-      </p:ext>
-    </p:extLst>
-  </p:cSld>
-  <p:clrMapOvr>
-    <a:masterClrMapping/>
-  </p:clrMapOvr>
-  <p:transition/>
-  <p:timing>
-    <p:tnLst>
-      <p:par>
-        <p:cTn id="1" dur="indefinite" restart="never" nodeType="tmRoot"/>
-      </p:par>
-    </p:tnLst>
-  </p:timing>
-</p:sld>
-</file>
-
-<file path=ppt/slides/slide8.xml><?xml version="1.0" encoding="utf-8"?>
-<p:sld xmlns:a="http://schemas.openxmlformats.org/drawingml/2006/main" xmlns:r="http://schemas.openxmlformats.org/officeDocument/2006/relationships" xmlns:p="http://schemas.openxmlformats.org/presentationml/2006/main">
-  <p:cSld>
-    <p:spTree>
-      <p:nvGrpSpPr>
-        <p:cNvPr id="1" name=""/>
-        <p:cNvGrpSpPr/>
-        <p:nvPr/>
-      </p:nvGrpSpPr>
-      <p:grpSpPr>
-        <a:xfrm>
-          <a:off x="0" y="0"/>
-          <a:ext cx="0" cy="0"/>
-          <a:chOff x="0" y="0"/>
-          <a:chExt cx="0" cy="0"/>
-        </a:xfrm>
-      </p:grpSpPr>
-      <p:sp>
-        <p:nvSpPr>
-          <p:cNvPr id="5" name="Title 4"/>
-          <p:cNvSpPr>
-            <a:spLocks noGrp="1"/>
-          </p:cNvSpPr>
-          <p:nvPr>
-            <p:ph type="title"/>
-          </p:nvPr>
-        </p:nvSpPr>
-        <p:spPr/>
-        <p:txBody>
-          <a:bodyPr/>
-          <a:lstStyle/>
-          <a:p>
-            <a:pPr algn="ctr" rtl="0"/>
-            <a:r>
-              <a:rPr lang="en-US" sz="1400" dirty="0"/>
-              <a:t>Telemetric SW flow</a:t>
-            </a:r>
-            <a:br>
-              <a:rPr lang="en-US" sz="1400" dirty="0"/>
-            </a:br>
-            <a:r>
-              <a:rPr lang="en-US" sz="1400" dirty="0" smtClean="0"/>
-              <a:t>Flash store process</a:t>
-            </a:r>
-            <a:endParaRPr lang="en-US" sz="1400" dirty="0"/>
-          </a:p>
-        </p:txBody>
-      </p:sp>
-      <p:pic>
-        <p:nvPicPr>
-          <p:cNvPr id="3075" name="Picture 3" descr="C:\Software_projects\Elbit\ElbitMalat\Telemetric\DR\Flow charts\FlashWriteTask.jpg"/>
-          <p:cNvPicPr>
-            <a:picLocks noChangeAspect="1" noChangeArrowheads="1"/>
-          </p:cNvPicPr>
-          <p:nvPr/>
-        </p:nvPicPr>
-        <p:blipFill>
-          <a:blip r:embed="rId2">
-            <a:extLst>
-              <a:ext uri="{28A0092B-C50C-407E-A947-70E740481C1C}">
-                <a14:useLocalDpi xmlns:a14="http://schemas.microsoft.com/office/drawing/2010/main" val="0"/>
-              </a:ext>
-            </a:extLst>
-          </a:blip>
-          <a:srcRect/>
-          <a:stretch>
-            <a:fillRect/>
-          </a:stretch>
-        </p:blipFill>
-        <p:spPr bwMode="auto">
-          <a:xfrm>
-            <a:off x="1609725" y="1023866"/>
-            <a:ext cx="6543675" cy="5148334"/>
-          </a:xfrm>
-          <a:prstGeom prst="rect">
-            <a:avLst/>
-          </a:prstGeom>
-          <a:noFill/>
-          <a:extLst>
-            <a:ext uri="{909E8E84-426E-40DD-AFC4-6F175D3DCCD1}">
-              <a14:hiddenFill xmlns:a14="http://schemas.microsoft.com/office/drawing/2010/main">
-                <a:solidFill>
-                  <a:srgbClr val="FFFFFF"/>
-                </a:solidFill>
-              </a14:hiddenFill>
-            </a:ext>
-          </a:extLst>
-        </p:spPr>
-      </p:pic>
-    </p:spTree>
-    <p:extLst>
-      <p:ext uri="{BB962C8B-B14F-4D97-AF65-F5344CB8AC3E}">
-        <p14:creationId xmlns:p14="http://schemas.microsoft.com/office/powerpoint/2010/main" val="1017578442"/>
-      </p:ext>
-    </p:extLst>
-  </p:cSld>
-  <p:clrMapOvr>
-    <a:masterClrMapping/>
-  </p:clrMapOvr>
-  <p:transition/>
-  <p:timing>
-    <p:tnLst>
-      <p:par>
-        <p:cTn id="1" dur="indefinite" restart="never" nodeType="tmRoot"/>
-      </p:par>
-    </p:tnLst>
-  </p:timing>
-</p:sld>
-</file>
-
-<file path=ppt/slides/slide9.xml><?xml version="1.0" encoding="utf-8"?>
-<p:sld xmlns:a="http://schemas.openxmlformats.org/drawingml/2006/main" xmlns:r="http://schemas.openxmlformats.org/officeDocument/2006/relationships" xmlns:p="http://schemas.openxmlformats.org/presentationml/2006/main">
-  <p:cSld>
-    <p:spTree>
-      <p:nvGrpSpPr>
-        <p:cNvPr id="1" name=""/>
-        <p:cNvGrpSpPr/>
-        <p:nvPr/>
-      </p:nvGrpSpPr>
-      <p:grpSpPr>
-        <a:xfrm>
-          <a:off x="0" y="0"/>
-          <a:ext cx="0" cy="0"/>
-          <a:chOff x="0" y="0"/>
-          <a:chExt cx="0" cy="0"/>
-        </a:xfrm>
-      </p:grpSpPr>
-      <p:sp>
-        <p:nvSpPr>
-          <p:cNvPr id="6" name="Content Placeholder 5"/>
-          <p:cNvSpPr>
-            <a:spLocks noGrp="1"/>
-          </p:cNvSpPr>
-          <p:nvPr>
-            <p:ph idx="1"/>
-          </p:nvPr>
-        </p:nvSpPr>
-        <p:spPr>
-          <a:xfrm>
-            <a:off x="179388" y="1080001"/>
-            <a:ext cx="8713787" cy="1168250"/>
-          </a:xfrm>
-        </p:spPr>
-        <p:txBody>
-          <a:bodyPr/>
-          <a:lstStyle/>
-          <a:p>
-            <a:endParaRPr lang="en-US" sz="1100" dirty="0"/>
-          </a:p>
-          <a:p>
-            <a:r>
-              <a:rPr lang="en-US" sz="1100" dirty="0"/>
-              <a:t>RTC shall record current system data and present it in RT viewer upon user request and based on the following conditions:</a:t>
-            </a:r>
-          </a:p>
-          <a:p>
-            <a:pPr lvl="1"/>
-            <a:r>
-              <a:rPr lang="en-US" sz="1100" dirty="0" smtClean="0"/>
-              <a:t>Each TLM member shall be saved on Current status queue in the order of the time he arrive to queue. </a:t>
-            </a:r>
-            <a:endParaRPr lang="en-US" sz="1100" dirty="0"/>
-          </a:p>
-          <a:p>
-            <a:pPr lvl="1"/>
-            <a:r>
-              <a:rPr lang="en-US" sz="1100" dirty="0"/>
-              <a:t>Upon any given read the telemetric data the timestamp shall be read as well . </a:t>
-            </a:r>
-          </a:p>
-          <a:p>
-            <a:pPr marL="0" indent="0">
-              <a:buNone/>
-            </a:pPr>
-            <a:endParaRPr lang="en-US" sz="1100" dirty="0"/>
-          </a:p>
-          <a:p>
-            <a:pPr marL="0" indent="0">
-              <a:buNone/>
-            </a:pPr>
-            <a:r>
-              <a:rPr lang="en-US" dirty="0"/>
-              <a:t>  </a:t>
-            </a:r>
-          </a:p>
-        </p:txBody>
-      </p:sp>
-      <p:sp>
-        <p:nvSpPr>
-          <p:cNvPr id="5" name="Title 4"/>
-          <p:cNvSpPr>
-            <a:spLocks noGrp="1"/>
-          </p:cNvSpPr>
-          <p:nvPr>
-            <p:ph type="title"/>
-          </p:nvPr>
-        </p:nvSpPr>
-        <p:spPr/>
-        <p:txBody>
-          <a:bodyPr/>
-          <a:lstStyle/>
-          <a:p>
-            <a:pPr algn="ctr" rtl="0"/>
-            <a:r>
-              <a:rPr lang="en-US" dirty="0"/>
-              <a:t>RT TLM </a:t>
-            </a:r>
-            <a:br>
-              <a:rPr lang="en-US" dirty="0"/>
-            </a:br>
-            <a:r>
-              <a:rPr lang="en-US" sz="2100" dirty="0"/>
-              <a:t>Telemetric current state - requirements</a:t>
-            </a:r>
-          </a:p>
-        </p:txBody>
-      </p:sp>
-    </p:spTree>
-    <p:extLst>
-      <p:ext uri="{BB962C8B-B14F-4D97-AF65-F5344CB8AC3E}">
-        <p14:creationId xmlns:p14="http://schemas.microsoft.com/office/powerpoint/2010/main" val="1488263557"/>
       </p:ext>
     </p:extLst>
   </p:cSld>
